--- a/docs/diagrams/UiComponentClassDiagram.pptx
+++ b/docs/diagrams/UiComponentClassDiagram.pptx
@@ -208,7 +208,7 @@
           <a:p>
             <a:fld id="{F5CC4B3F-88C1-4FFA-B1B6-F41C21DC6924}" type="datetimeFigureOut">
               <a:rPr lang="en-US" smtClean="0"/>
-              <a:t>1/7/2017</a:t>
+              <a:t>3/23/2018</a:t>
             </a:fld>
             <a:endParaRPr lang="en-US"/>
           </a:p>
@@ -654,7 +654,7 @@
           <a:p>
             <a:fld id="{78C97017-6FC3-485B-9764-EAC9E56C1D49}" type="datetimeFigureOut">
               <a:rPr lang="en-US" smtClean="0"/>
-              <a:t>1/7/2017</a:t>
+              <a:t>3/23/2018</a:t>
             </a:fld>
             <a:endParaRPr lang="en-US"/>
           </a:p>
@@ -822,7 +822,7 @@
           <a:p>
             <a:fld id="{78C97017-6FC3-485B-9764-EAC9E56C1D49}" type="datetimeFigureOut">
               <a:rPr lang="en-US" smtClean="0"/>
-              <a:t>1/7/2017</a:t>
+              <a:t>3/23/2018</a:t>
             </a:fld>
             <a:endParaRPr lang="en-US"/>
           </a:p>
@@ -1000,7 +1000,7 @@
           <a:p>
             <a:fld id="{78C97017-6FC3-485B-9764-EAC9E56C1D49}" type="datetimeFigureOut">
               <a:rPr lang="en-US" smtClean="0"/>
-              <a:t>1/7/2017</a:t>
+              <a:t>3/23/2018</a:t>
             </a:fld>
             <a:endParaRPr lang="en-US"/>
           </a:p>
@@ -1168,7 +1168,7 @@
           <a:p>
             <a:fld id="{78C97017-6FC3-485B-9764-EAC9E56C1D49}" type="datetimeFigureOut">
               <a:rPr lang="en-US" smtClean="0"/>
-              <a:t>1/7/2017</a:t>
+              <a:t>3/23/2018</a:t>
             </a:fld>
             <a:endParaRPr lang="en-US"/>
           </a:p>
@@ -1413,7 +1413,7 @@
           <a:p>
             <a:fld id="{78C97017-6FC3-485B-9764-EAC9E56C1D49}" type="datetimeFigureOut">
               <a:rPr lang="en-US" smtClean="0"/>
-              <a:t>1/7/2017</a:t>
+              <a:t>3/23/2018</a:t>
             </a:fld>
             <a:endParaRPr lang="en-US"/>
           </a:p>
@@ -1698,7 +1698,7 @@
           <a:p>
             <a:fld id="{78C97017-6FC3-485B-9764-EAC9E56C1D49}" type="datetimeFigureOut">
               <a:rPr lang="en-US" smtClean="0"/>
-              <a:t>1/7/2017</a:t>
+              <a:t>3/23/2018</a:t>
             </a:fld>
             <a:endParaRPr lang="en-US"/>
           </a:p>
@@ -2117,7 +2117,7 @@
           <a:p>
             <a:fld id="{78C97017-6FC3-485B-9764-EAC9E56C1D49}" type="datetimeFigureOut">
               <a:rPr lang="en-US" smtClean="0"/>
-              <a:t>1/7/2017</a:t>
+              <a:t>3/23/2018</a:t>
             </a:fld>
             <a:endParaRPr lang="en-US"/>
           </a:p>
@@ -2234,7 +2234,7 @@
           <a:p>
             <a:fld id="{78C97017-6FC3-485B-9764-EAC9E56C1D49}" type="datetimeFigureOut">
               <a:rPr lang="en-US" smtClean="0"/>
-              <a:t>1/7/2017</a:t>
+              <a:t>3/23/2018</a:t>
             </a:fld>
             <a:endParaRPr lang="en-US"/>
           </a:p>
@@ -2329,7 +2329,7 @@
           <a:p>
             <a:fld id="{78C97017-6FC3-485B-9764-EAC9E56C1D49}" type="datetimeFigureOut">
               <a:rPr lang="en-US" smtClean="0"/>
-              <a:t>1/7/2017</a:t>
+              <a:t>3/23/2018</a:t>
             </a:fld>
             <a:endParaRPr lang="en-US"/>
           </a:p>
@@ -2604,7 +2604,7 @@
           <a:p>
             <a:fld id="{78C97017-6FC3-485B-9764-EAC9E56C1D49}" type="datetimeFigureOut">
               <a:rPr lang="en-US" smtClean="0"/>
-              <a:t>1/7/2017</a:t>
+              <a:t>3/23/2018</a:t>
             </a:fld>
             <a:endParaRPr lang="en-US"/>
           </a:p>
@@ -2856,7 +2856,7 @@
           <a:p>
             <a:fld id="{78C97017-6FC3-485B-9764-EAC9E56C1D49}" type="datetimeFigureOut">
               <a:rPr lang="en-US" smtClean="0"/>
-              <a:t>1/7/2017</a:t>
+              <a:t>3/23/2018</a:t>
             </a:fld>
             <a:endParaRPr lang="en-US"/>
           </a:p>
@@ -3067,7 +3067,7 @@
           <a:p>
             <a:fld id="{78C97017-6FC3-485B-9764-EAC9E56C1D49}" type="datetimeFigureOut">
               <a:rPr lang="en-US" smtClean="0"/>
-              <a:t>1/7/2017</a:t>
+              <a:t>3/23/2018</a:t>
             </a:fld>
             <a:endParaRPr lang="en-US"/>
           </a:p>
@@ -3879,13 +3879,13 @@
       </p:sp>
       <p:sp>
         <p:nvSpPr>
-          <p:cNvPr id="34" name="Rectangle 11"/>
+          <p:cNvPr id="35" name="Rectangle 11"/>
           <p:cNvSpPr/>
           <p:nvPr/>
         </p:nvSpPr>
         <p:spPr>
           <a:xfrm>
-            <a:off x="2592528" y="3649359"/>
+            <a:off x="2592527" y="4563759"/>
             <a:ext cx="1093635" cy="236841"/>
           </a:xfrm>
           <a:prstGeom prst="rect">
@@ -3925,7 +3925,7 @@
                   </a:schemeClr>
                 </a:solidFill>
               </a:rPr>
-              <a:t>BrowserPanel</a:t>
+              <a:t>StatusBarFooter</a:t>
             </a:r>
             <a:endParaRPr lang="en-SG" sz="1050" b="1" dirty="0">
               <a:solidFill>
@@ -3939,13 +3939,13 @@
       </p:sp>
       <p:sp>
         <p:nvSpPr>
-          <p:cNvPr id="35" name="Rectangle 11"/>
+          <p:cNvPr id="36" name="Rectangle 11"/>
           <p:cNvSpPr/>
           <p:nvPr/>
         </p:nvSpPr>
         <p:spPr>
           <a:xfrm>
-            <a:off x="2592527" y="4563759"/>
+            <a:off x="2592526" y="3991960"/>
             <a:ext cx="1093635" cy="236841"/>
           </a:xfrm>
           <a:prstGeom prst="rect">
@@ -3985,7 +3985,7 @@
                   </a:schemeClr>
                 </a:solidFill>
               </a:rPr>
-              <a:t>StatusBarFooter</a:t>
+              <a:t>ClientListPanel</a:t>
             </a:r>
             <a:endParaRPr lang="en-SG" sz="1050" b="1" dirty="0">
               <a:solidFill>
@@ -3999,14 +3999,14 @@
       </p:sp>
       <p:sp>
         <p:nvSpPr>
-          <p:cNvPr id="36" name="Rectangle 11"/>
+          <p:cNvPr id="37" name="Rectangle 11"/>
           <p:cNvSpPr/>
           <p:nvPr/>
         </p:nvSpPr>
         <p:spPr>
           <a:xfrm>
-            <a:off x="2592526" y="3991960"/>
-            <a:ext cx="1093635" cy="236841"/>
+            <a:off x="3839323" y="4228801"/>
+            <a:ext cx="1040906" cy="236841"/>
           </a:xfrm>
           <a:prstGeom prst="rect">
             <a:avLst/>
@@ -4045,67 +4045,7 @@
                   </a:schemeClr>
                 </a:solidFill>
               </a:rPr>
-              <a:t>PersonListPanel</a:t>
-            </a:r>
-            <a:endParaRPr lang="en-SG" sz="1050" b="1" dirty="0">
-              <a:solidFill>
-                <a:schemeClr val="accent3">
-                  <a:lumMod val="75000"/>
-                </a:schemeClr>
-              </a:solidFill>
-            </a:endParaRPr>
-          </a:p>
-        </p:txBody>
-      </p:sp>
-      <p:sp>
-        <p:nvSpPr>
-          <p:cNvPr id="37" name="Rectangle 11"/>
-          <p:cNvSpPr/>
-          <p:nvPr/>
-        </p:nvSpPr>
-        <p:spPr>
-          <a:xfrm>
-            <a:off x="3839323" y="4228801"/>
-            <a:ext cx="1040906" cy="236841"/>
-          </a:xfrm>
-          <a:prstGeom prst="rect">
-            <a:avLst/>
-          </a:prstGeom>
-          <a:ln w="19050">
-            <a:solidFill>
-              <a:schemeClr val="accent3"/>
-            </a:solidFill>
-          </a:ln>
-          <a:effectLst/>
-        </p:spPr>
-        <p:style>
-          <a:lnRef idx="1">
-            <a:schemeClr val="accent3"/>
-          </a:lnRef>
-          <a:fillRef idx="2">
-            <a:schemeClr val="accent3"/>
-          </a:fillRef>
-          <a:effectRef idx="1">
-            <a:schemeClr val="accent3"/>
-          </a:effectRef>
-          <a:fontRef idx="minor">
-            <a:schemeClr val="dk1"/>
-          </a:fontRef>
-        </p:style>
-        <p:txBody>
-          <a:bodyPr rtlCol="0" anchor="ctr"/>
-          <a:lstStyle/>
-          <a:p>
-            <a:pPr algn="ctr"/>
-            <a:r>
-              <a:rPr lang="en-US" sz="1050" b="1" dirty="0" err="1">
-                <a:solidFill>
-                  <a:schemeClr val="accent3">
-                    <a:lumMod val="75000"/>
-                  </a:schemeClr>
-                </a:solidFill>
-              </a:rPr>
-              <a:t>PersonCard</a:t>
+              <a:t>ClientCard</a:t>
             </a:r>
             <a:endParaRPr lang="en-SG" sz="1050" b="1" dirty="0">
               <a:solidFill>
@@ -4328,47 +4268,6 @@
       </p:sp>
       <p:cxnSp>
         <p:nvCxnSpPr>
-          <p:cNvPr id="44" name="Elbow Connector 63"/>
-          <p:cNvCxnSpPr>
-            <a:stCxn id="39" idx="2"/>
-            <a:endCxn id="34" idx="1"/>
-          </p:cNvCxnSpPr>
-          <p:nvPr/>
-        </p:nvCxnSpPr>
-        <p:spPr>
-          <a:xfrm rot="16200000" flipH="1">
-            <a:off x="2054450" y="3229701"/>
-            <a:ext cx="899755" cy="176402"/>
-          </a:xfrm>
-          <a:prstGeom prst="bentConnector2">
-            <a:avLst/>
-          </a:prstGeom>
-          <a:ln w="19050">
-            <a:solidFill>
-              <a:schemeClr val="accent3"/>
-            </a:solidFill>
-            <a:headEnd type="none" w="med" len="med"/>
-            <a:tailEnd type="arrow" w="med" len="med"/>
-          </a:ln>
-          <a:effectLst/>
-        </p:spPr>
-        <p:style>
-          <a:lnRef idx="1">
-            <a:schemeClr val="accent2"/>
-          </a:lnRef>
-          <a:fillRef idx="2">
-            <a:schemeClr val="accent2"/>
-          </a:fillRef>
-          <a:effectRef idx="1">
-            <a:schemeClr val="accent2"/>
-          </a:effectRef>
-          <a:fontRef idx="minor">
-            <a:schemeClr val="dk1"/>
-          </a:fontRef>
-        </p:style>
-      </p:cxnSp>
-      <p:cxnSp>
-        <p:nvCxnSpPr>
           <p:cNvPr id="47" name="Elbow Connector 63"/>
           <p:cNvCxnSpPr>
             <a:stCxn id="39" idx="2"/>
@@ -4622,47 +4521,6 @@
           <a:xfrm rot="5400000">
             <a:off x="4174488" y="2991741"/>
             <a:ext cx="2061222" cy="649740"/>
-          </a:xfrm>
-          <a:prstGeom prst="bentConnector2">
-            <a:avLst/>
-          </a:prstGeom>
-          <a:ln w="6350">
-            <a:solidFill>
-              <a:schemeClr val="accent3"/>
-            </a:solidFill>
-            <a:headEnd type="none" w="med" len="med"/>
-            <a:tailEnd type="none" w="med" len="med"/>
-          </a:ln>
-          <a:effectLst/>
-        </p:spPr>
-        <p:style>
-          <a:lnRef idx="1">
-            <a:schemeClr val="accent2"/>
-          </a:lnRef>
-          <a:fillRef idx="2">
-            <a:schemeClr val="accent2"/>
-          </a:fillRef>
-          <a:effectRef idx="1">
-            <a:schemeClr val="accent2"/>
-          </a:effectRef>
-          <a:fontRef idx="minor">
-            <a:schemeClr val="dk1"/>
-          </a:fontRef>
-        </p:style>
-      </p:cxnSp>
-      <p:cxnSp>
-        <p:nvCxnSpPr>
-          <p:cNvPr id="82" name="Elbow Connector 63"/>
-          <p:cNvCxnSpPr>
-            <a:stCxn id="16" idx="3"/>
-            <a:endCxn id="34" idx="3"/>
-          </p:cNvCxnSpPr>
-          <p:nvPr/>
-        </p:nvCxnSpPr>
-        <p:spPr>
-          <a:xfrm rot="5400000">
-            <a:off x="3867176" y="2104987"/>
-            <a:ext cx="1481780" cy="1843806"/>
           </a:xfrm>
           <a:prstGeom prst="bentConnector2">
             <a:avLst/>
@@ -5506,6 +5364,65 @@
           <a:p>
             <a:pPr algn="ctr"/>
             <a:endParaRPr lang="en-SG"/>
+          </a:p>
+        </p:txBody>
+      </p:sp>
+      <p:sp>
+        <p:nvSpPr>
+          <p:cNvPr id="42" name="Rectangle 11"/>
+          <p:cNvSpPr/>
+          <p:nvPr/>
+        </p:nvSpPr>
+        <p:spPr>
+          <a:xfrm>
+            <a:off x="2438402" y="3891904"/>
+            <a:ext cx="152398" cy="204234"/>
+          </a:xfrm>
+          <a:prstGeom prst="rect">
+            <a:avLst/>
+          </a:prstGeom>
+          <a:noFill/>
+          <a:ln w="19050">
+            <a:noFill/>
+          </a:ln>
+          <a:effectLst/>
+        </p:spPr>
+        <p:style>
+          <a:lnRef idx="1">
+            <a:schemeClr val="accent3"/>
+          </a:lnRef>
+          <a:fillRef idx="2">
+            <a:schemeClr val="accent3"/>
+          </a:fillRef>
+          <a:effectRef idx="1">
+            <a:schemeClr val="accent3"/>
+          </a:effectRef>
+          <a:fontRef idx="minor">
+            <a:schemeClr val="dk1"/>
+          </a:fontRef>
+        </p:style>
+        <p:txBody>
+          <a:bodyPr rtlCol="0" anchor="ctr"/>
+          <a:lstStyle/>
+          <a:p>
+            <a:pPr algn="ctr"/>
+            <a:r>
+              <a:rPr lang="en-US" sz="1050" b="1" dirty="0">
+                <a:solidFill>
+                  <a:schemeClr val="accent3">
+                    <a:lumMod val="75000"/>
+                  </a:schemeClr>
+                </a:solidFill>
+              </a:rPr>
+              <a:t>2</a:t>
+            </a:r>
+            <a:endParaRPr lang="en-SG" sz="1050" b="1" dirty="0">
+              <a:solidFill>
+                <a:schemeClr val="accent3">
+                  <a:lumMod val="75000"/>
+                </a:schemeClr>
+              </a:solidFill>
+            </a:endParaRPr>
           </a:p>
         </p:txBody>
       </p:sp>

--- a/docs/diagrams/UiComponentClassDiagram.pptx
+++ b/docs/diagrams/UiComponentClassDiagram.pptx
@@ -208,7 +208,7 @@
           <a:p>
             <a:fld id="{F5CC4B3F-88C1-4FFA-B1B6-F41C21DC6924}" type="datetimeFigureOut">
               <a:rPr lang="en-US" smtClean="0"/>
-              <a:t>1/7/2017</a:t>
+              <a:t>3/30/2018</a:t>
             </a:fld>
             <a:endParaRPr lang="en-US"/>
           </a:p>
@@ -654,7 +654,7 @@
           <a:p>
             <a:fld id="{78C97017-6FC3-485B-9764-EAC9E56C1D49}" type="datetimeFigureOut">
               <a:rPr lang="en-US" smtClean="0"/>
-              <a:t>1/7/2017</a:t>
+              <a:t>3/30/2018</a:t>
             </a:fld>
             <a:endParaRPr lang="en-US"/>
           </a:p>
@@ -822,7 +822,7 @@
           <a:p>
             <a:fld id="{78C97017-6FC3-485B-9764-EAC9E56C1D49}" type="datetimeFigureOut">
               <a:rPr lang="en-US" smtClean="0"/>
-              <a:t>1/7/2017</a:t>
+              <a:t>3/30/2018</a:t>
             </a:fld>
             <a:endParaRPr lang="en-US"/>
           </a:p>
@@ -1000,7 +1000,7 @@
           <a:p>
             <a:fld id="{78C97017-6FC3-485B-9764-EAC9E56C1D49}" type="datetimeFigureOut">
               <a:rPr lang="en-US" smtClean="0"/>
-              <a:t>1/7/2017</a:t>
+              <a:t>3/30/2018</a:t>
             </a:fld>
             <a:endParaRPr lang="en-US"/>
           </a:p>
@@ -1168,7 +1168,7 @@
           <a:p>
             <a:fld id="{78C97017-6FC3-485B-9764-EAC9E56C1D49}" type="datetimeFigureOut">
               <a:rPr lang="en-US" smtClean="0"/>
-              <a:t>1/7/2017</a:t>
+              <a:t>3/30/2018</a:t>
             </a:fld>
             <a:endParaRPr lang="en-US"/>
           </a:p>
@@ -1413,7 +1413,7 @@
           <a:p>
             <a:fld id="{78C97017-6FC3-485B-9764-EAC9E56C1D49}" type="datetimeFigureOut">
               <a:rPr lang="en-US" smtClean="0"/>
-              <a:t>1/7/2017</a:t>
+              <a:t>3/30/2018</a:t>
             </a:fld>
             <a:endParaRPr lang="en-US"/>
           </a:p>
@@ -1698,7 +1698,7 @@
           <a:p>
             <a:fld id="{78C97017-6FC3-485B-9764-EAC9E56C1D49}" type="datetimeFigureOut">
               <a:rPr lang="en-US" smtClean="0"/>
-              <a:t>1/7/2017</a:t>
+              <a:t>3/30/2018</a:t>
             </a:fld>
             <a:endParaRPr lang="en-US"/>
           </a:p>
@@ -2117,7 +2117,7 @@
           <a:p>
             <a:fld id="{78C97017-6FC3-485B-9764-EAC9E56C1D49}" type="datetimeFigureOut">
               <a:rPr lang="en-US" smtClean="0"/>
-              <a:t>1/7/2017</a:t>
+              <a:t>3/30/2018</a:t>
             </a:fld>
             <a:endParaRPr lang="en-US"/>
           </a:p>
@@ -2234,7 +2234,7 @@
           <a:p>
             <a:fld id="{78C97017-6FC3-485B-9764-EAC9E56C1D49}" type="datetimeFigureOut">
               <a:rPr lang="en-US" smtClean="0"/>
-              <a:t>1/7/2017</a:t>
+              <a:t>3/30/2018</a:t>
             </a:fld>
             <a:endParaRPr lang="en-US"/>
           </a:p>
@@ -2329,7 +2329,7 @@
           <a:p>
             <a:fld id="{78C97017-6FC3-485B-9764-EAC9E56C1D49}" type="datetimeFigureOut">
               <a:rPr lang="en-US" smtClean="0"/>
-              <a:t>1/7/2017</a:t>
+              <a:t>3/30/2018</a:t>
             </a:fld>
             <a:endParaRPr lang="en-US"/>
           </a:p>
@@ -2604,7 +2604,7 @@
           <a:p>
             <a:fld id="{78C97017-6FC3-485B-9764-EAC9E56C1D49}" type="datetimeFigureOut">
               <a:rPr lang="en-US" smtClean="0"/>
-              <a:t>1/7/2017</a:t>
+              <a:t>3/30/2018</a:t>
             </a:fld>
             <a:endParaRPr lang="en-US"/>
           </a:p>
@@ -2856,7 +2856,7 @@
           <a:p>
             <a:fld id="{78C97017-6FC3-485B-9764-EAC9E56C1D49}" type="datetimeFigureOut">
               <a:rPr lang="en-US" smtClean="0"/>
-              <a:t>1/7/2017</a:t>
+              <a:t>3/30/2018</a:t>
             </a:fld>
             <a:endParaRPr lang="en-US"/>
           </a:p>
@@ -3067,7 +3067,7 @@
           <a:p>
             <a:fld id="{78C97017-6FC3-485B-9764-EAC9E56C1D49}" type="datetimeFigureOut">
               <a:rPr lang="en-US" smtClean="0"/>
-              <a:t>1/7/2017</a:t>
+              <a:t>3/30/2018</a:t>
             </a:fld>
             <a:endParaRPr lang="en-US"/>
           </a:p>
@@ -3573,7 +3573,7 @@
         <p:spPr>
           <a:xfrm>
             <a:off x="2592528" y="2971800"/>
-            <a:ext cx="1093635" cy="236841"/>
+            <a:ext cx="1192713" cy="236841"/>
           </a:xfrm>
           <a:prstGeom prst="rect">
             <a:avLst/>
@@ -3886,7 +3886,7 @@
         <p:spPr>
           <a:xfrm>
             <a:off x="2592528" y="3649359"/>
-            <a:ext cx="1093635" cy="236841"/>
+            <a:ext cx="1192712" cy="236841"/>
           </a:xfrm>
           <a:prstGeom prst="rect">
             <a:avLst/>
@@ -3925,7 +3925,7 @@
                   </a:schemeClr>
                 </a:solidFill>
               </a:rPr>
-              <a:t>BrowserPanel</a:t>
+              <a:t>StudentListPanel</a:t>
             </a:r>
             <a:endParaRPr lang="en-SG" sz="1050" b="1" dirty="0">
               <a:solidFill>
@@ -3946,7 +3946,7 @@
         <p:spPr>
           <a:xfrm>
             <a:off x="2592527" y="4563759"/>
-            <a:ext cx="1093635" cy="236841"/>
+            <a:ext cx="1192713" cy="236841"/>
           </a:xfrm>
           <a:prstGeom prst="rect">
             <a:avLst/>
@@ -4006,7 +4006,7 @@
         <p:spPr>
           <a:xfrm>
             <a:off x="2592526" y="3991960"/>
-            <a:ext cx="1093635" cy="236841"/>
+            <a:ext cx="1192714" cy="236841"/>
           </a:xfrm>
           <a:prstGeom prst="rect">
             <a:avLst/>
@@ -4045,7 +4045,7 @@
                   </a:schemeClr>
                 </a:solidFill>
               </a:rPr>
-              <a:t>PersonListPanel</a:t>
+              <a:t>TutorListPanel</a:t>
             </a:r>
             <a:endParaRPr lang="en-SG" sz="1050" b="1" dirty="0">
               <a:solidFill>
@@ -4065,7 +4065,7 @@
         </p:nvSpPr>
         <p:spPr>
           <a:xfrm>
-            <a:off x="3839323" y="4228801"/>
+            <a:off x="3900470" y="4228801"/>
             <a:ext cx="1040906" cy="236841"/>
           </a:xfrm>
           <a:prstGeom prst="rect">
@@ -4105,7 +4105,7 @@
                   </a:schemeClr>
                 </a:solidFill>
               </a:rPr>
-              <a:t>PersonCard</a:t>
+              <a:t>ClientCard</a:t>
             </a:r>
             <a:endParaRPr lang="en-SG" sz="1050" b="1" dirty="0">
               <a:solidFill>
@@ -4126,7 +4126,7 @@
         <p:spPr>
           <a:xfrm>
             <a:off x="2592528" y="4966000"/>
-            <a:ext cx="1093635" cy="236841"/>
+            <a:ext cx="1192713" cy="236841"/>
           </a:xfrm>
           <a:prstGeom prst="rect">
             <a:avLst/>
@@ -4275,7 +4275,7 @@
         <p:spPr>
           <a:xfrm>
             <a:off x="2590799" y="3304308"/>
-            <a:ext cx="1095361" cy="236841"/>
+            <a:ext cx="1194595" cy="236841"/>
           </a:xfrm>
           <a:prstGeom prst="rect">
             <a:avLst/>
@@ -4460,7 +4460,7 @@
         <p:spPr>
           <a:xfrm rot="16200000" flipH="1">
             <a:off x="1184119" y="3676012"/>
-            <a:ext cx="2396440" cy="420377"/>
+            <a:ext cx="2396440" cy="420378"/>
           </a:xfrm>
           <a:prstGeom prst="bentConnector2">
             <a:avLst/>
@@ -4579,8 +4579,8 @@
         </p:nvCxnSpPr>
         <p:spPr>
           <a:xfrm flipV="1">
-            <a:off x="3686160" y="2286000"/>
-            <a:ext cx="1843809" cy="1136729"/>
+            <a:off x="3785394" y="2286000"/>
+            <a:ext cx="1744575" cy="1136729"/>
           </a:xfrm>
           <a:prstGeom prst="bentConnector2">
             <a:avLst/>
@@ -4620,8 +4620,8 @@
         </p:nvCxnSpPr>
         <p:spPr>
           <a:xfrm rot="5400000">
-            <a:off x="4174488" y="2991741"/>
-            <a:ext cx="2061222" cy="649740"/>
+            <a:off x="4205062" y="3022315"/>
+            <a:ext cx="2061222" cy="588593"/>
           </a:xfrm>
           <a:prstGeom prst="bentConnector2">
             <a:avLst/>
@@ -4661,8 +4661,8 @@
         </p:nvCxnSpPr>
         <p:spPr>
           <a:xfrm rot="5400000">
-            <a:off x="3867176" y="2104987"/>
-            <a:ext cx="1481780" cy="1843806"/>
+            <a:off x="3916715" y="2154526"/>
+            <a:ext cx="1481780" cy="1744729"/>
           </a:xfrm>
           <a:prstGeom prst="bentConnector2">
             <a:avLst/>
@@ -4743,8 +4743,8 @@
         </p:nvCxnSpPr>
         <p:spPr>
           <a:xfrm rot="5400000">
-            <a:off x="3409976" y="2562187"/>
-            <a:ext cx="2396180" cy="1843807"/>
+            <a:off x="3459515" y="2611726"/>
+            <a:ext cx="2396180" cy="1744729"/>
           </a:xfrm>
           <a:prstGeom prst="bentConnector2">
             <a:avLst/>
@@ -4784,8 +4784,8 @@
         </p:nvCxnSpPr>
         <p:spPr>
           <a:xfrm rot="5400000">
-            <a:off x="3208856" y="2763307"/>
-            <a:ext cx="2798421" cy="1843806"/>
+            <a:off x="3258395" y="2812846"/>
+            <a:ext cx="2798421" cy="1744728"/>
           </a:xfrm>
           <a:prstGeom prst="bentConnector2">
             <a:avLst/>
@@ -5127,8 +5127,8 @@
         </p:nvCxnSpPr>
         <p:spPr>
           <a:xfrm rot="5400000">
-            <a:off x="4205956" y="1766207"/>
-            <a:ext cx="804221" cy="1843806"/>
+            <a:off x="4255495" y="1815746"/>
+            <a:ext cx="804221" cy="1744728"/>
           </a:xfrm>
           <a:prstGeom prst="bentConnector2">
             <a:avLst/>
@@ -5168,8 +5168,8 @@
         </p:nvCxnSpPr>
         <p:spPr>
           <a:xfrm rot="16200000" flipH="1">
-            <a:off x="3430123" y="3938021"/>
-            <a:ext cx="118421" cy="699979"/>
+            <a:off x="3485466" y="3932217"/>
+            <a:ext cx="118421" cy="711587"/>
           </a:xfrm>
           <a:prstGeom prst="bentConnector2">
             <a:avLst/>
@@ -5209,8 +5209,8 @@
         </p:nvCxnSpPr>
         <p:spPr>
           <a:xfrm rot="5400000">
-            <a:off x="3695875" y="2276286"/>
-            <a:ext cx="1824381" cy="1843808"/>
+            <a:off x="3745415" y="2325826"/>
+            <a:ext cx="1824381" cy="1744729"/>
           </a:xfrm>
           <a:prstGeom prst="bentConnector2">
             <a:avLst/>
@@ -5435,8 +5435,8 @@
         </p:nvSpPr>
         <p:spPr>
           <a:xfrm flipV="1">
-            <a:off x="4114799" y="4472708"/>
-            <a:ext cx="2642195" cy="101600"/>
+            <a:off x="4380898" y="4478898"/>
+            <a:ext cx="2376096" cy="95409"/>
           </a:xfrm>
           <a:custGeom>
             <a:avLst/>
@@ -5509,6 +5509,46 @@
           </a:p>
         </p:txBody>
       </p:sp>
+      <p:cxnSp>
+        <p:nvCxnSpPr>
+          <p:cNvPr id="61" name="Elbow Connector 136"/>
+          <p:cNvCxnSpPr>
+            <a:endCxn id="37" idx="0"/>
+          </p:cNvCxnSpPr>
+          <p:nvPr/>
+        </p:nvCxnSpPr>
+        <p:spPr>
+          <a:xfrm>
+            <a:off x="3785238" y="3853383"/>
+            <a:ext cx="635685" cy="375418"/>
+          </a:xfrm>
+          <a:prstGeom prst="bentConnector2">
+            <a:avLst/>
+          </a:prstGeom>
+          <a:ln w="19050">
+            <a:solidFill>
+              <a:schemeClr val="accent3"/>
+            </a:solidFill>
+            <a:headEnd type="none" w="med" len="med"/>
+            <a:tailEnd type="arrow" w="med" len="med"/>
+          </a:ln>
+          <a:effectLst/>
+        </p:spPr>
+        <p:style>
+          <a:lnRef idx="1">
+            <a:schemeClr val="accent2"/>
+          </a:lnRef>
+          <a:fillRef idx="2">
+            <a:schemeClr val="accent2"/>
+          </a:fillRef>
+          <a:effectRef idx="1">
+            <a:schemeClr val="accent2"/>
+          </a:effectRef>
+          <a:fontRef idx="minor">
+            <a:schemeClr val="dk1"/>
+          </a:fontRef>
+        </p:style>
+      </p:cxnSp>
     </p:spTree>
     <p:extLst>
       <p:ext uri="{BB962C8B-B14F-4D97-AF65-F5344CB8AC3E}">
